--- a/ppt/案例一.2.pptx
+++ b/ppt/案例一.2.pptx
@@ -119,6 +119,11 @@
       </a:defRPr>
     </a:lvl9pPr>
   </p:defaultTextStyle>
+  <p:extLst>
+    <p:ext uri="{EFAFB233-063F-42B5-8137-9DF3F51BA10A}">
+      <p15:sldGuideLst xmlns:p15="http://schemas.microsoft.com/office/powerpoint/2012/main"/>
+    </p:ext>
+  </p:extLst>
 </p:presentation>
 </file>
 
@@ -204,7 +209,7 @@
           <a:p>
             <a:fld id="{5A2F81D8-A1F4-4748-AB8B-7468811093D9}" type="datetimeFigureOut">
               <a:rPr lang="zh-CN" altLang="en-US" smtClean="0"/>
-              <a:t>2019/12/10</a:t>
+              <a:t>2019/12/16</a:t>
             </a:fld>
             <a:endParaRPr lang="zh-CN" altLang="en-US"/>
           </a:p>
@@ -2166,7 +2171,7 @@
           <a:p>
             <a:fld id="{EA491A0E-BDDD-4771-B00D-1F698AAAB1B8}" type="datetimeFigureOut">
               <a:rPr lang="zh-CN" altLang="en-US" smtClean="0"/>
-              <a:t>2019/12/10</a:t>
+              <a:t>2019/12/16</a:t>
             </a:fld>
             <a:endParaRPr lang="zh-CN" altLang="en-US"/>
           </a:p>
@@ -2364,7 +2369,7 @@
           <a:p>
             <a:fld id="{EA491A0E-BDDD-4771-B00D-1F698AAAB1B8}" type="datetimeFigureOut">
               <a:rPr lang="zh-CN" altLang="en-US" smtClean="0"/>
-              <a:t>2019/12/10</a:t>
+              <a:t>2019/12/16</a:t>
             </a:fld>
             <a:endParaRPr lang="zh-CN" altLang="en-US"/>
           </a:p>
@@ -2572,7 +2577,7 @@
           <a:p>
             <a:fld id="{EA491A0E-BDDD-4771-B00D-1F698AAAB1B8}" type="datetimeFigureOut">
               <a:rPr lang="zh-CN" altLang="en-US" smtClean="0"/>
-              <a:t>2019/12/10</a:t>
+              <a:t>2019/12/16</a:t>
             </a:fld>
             <a:endParaRPr lang="zh-CN" altLang="en-US"/>
           </a:p>
@@ -2685,7 +2690,7 @@
           <a:p>
             <a:fld id="{566A4BE8-77FE-4CD6-9733-A84A79002F0B}" type="datetimeFigureOut">
               <a:rPr lang="zh-CN" altLang="en-US" smtClean="0"/>
-              <a:t>2019/12/10</a:t>
+              <a:t>2019/12/16</a:t>
             </a:fld>
             <a:endParaRPr lang="zh-CN" altLang="en-US"/>
           </a:p>
@@ -2895,7 +2900,7 @@
           <a:p>
             <a:fld id="{EA491A0E-BDDD-4771-B00D-1F698AAAB1B8}" type="datetimeFigureOut">
               <a:rPr lang="zh-CN" altLang="en-US" smtClean="0"/>
-              <a:t>2019/12/10</a:t>
+              <a:t>2019/12/16</a:t>
             </a:fld>
             <a:endParaRPr lang="zh-CN" altLang="en-US"/>
           </a:p>
@@ -3170,7 +3175,7 @@
           <a:p>
             <a:fld id="{EA491A0E-BDDD-4771-B00D-1F698AAAB1B8}" type="datetimeFigureOut">
               <a:rPr lang="zh-CN" altLang="en-US" smtClean="0"/>
-              <a:t>2019/12/10</a:t>
+              <a:t>2019/12/16</a:t>
             </a:fld>
             <a:endParaRPr lang="zh-CN" altLang="en-US"/>
           </a:p>
@@ -3435,7 +3440,7 @@
           <a:p>
             <a:fld id="{EA491A0E-BDDD-4771-B00D-1F698AAAB1B8}" type="datetimeFigureOut">
               <a:rPr lang="zh-CN" altLang="en-US" smtClean="0"/>
-              <a:t>2019/12/10</a:t>
+              <a:t>2019/12/16</a:t>
             </a:fld>
             <a:endParaRPr lang="zh-CN" altLang="en-US"/>
           </a:p>
@@ -3847,7 +3852,7 @@
           <a:p>
             <a:fld id="{EA491A0E-BDDD-4771-B00D-1F698AAAB1B8}" type="datetimeFigureOut">
               <a:rPr lang="zh-CN" altLang="en-US" smtClean="0"/>
-              <a:t>2019/12/10</a:t>
+              <a:t>2019/12/16</a:t>
             </a:fld>
             <a:endParaRPr lang="zh-CN" altLang="en-US"/>
           </a:p>
@@ -3988,7 +3993,7 @@
           <a:p>
             <a:fld id="{EA491A0E-BDDD-4771-B00D-1F698AAAB1B8}" type="datetimeFigureOut">
               <a:rPr lang="zh-CN" altLang="en-US" smtClean="0"/>
-              <a:t>2019/12/10</a:t>
+              <a:t>2019/12/16</a:t>
             </a:fld>
             <a:endParaRPr lang="zh-CN" altLang="en-US"/>
           </a:p>
@@ -4101,7 +4106,7 @@
           <a:p>
             <a:fld id="{EA491A0E-BDDD-4771-B00D-1F698AAAB1B8}" type="datetimeFigureOut">
               <a:rPr lang="zh-CN" altLang="en-US" smtClean="0"/>
-              <a:t>2019/12/10</a:t>
+              <a:t>2019/12/16</a:t>
             </a:fld>
             <a:endParaRPr lang="zh-CN" altLang="en-US"/>
           </a:p>
@@ -4412,7 +4417,7 @@
           <a:p>
             <a:fld id="{EA491A0E-BDDD-4771-B00D-1F698AAAB1B8}" type="datetimeFigureOut">
               <a:rPr lang="zh-CN" altLang="en-US" smtClean="0"/>
-              <a:t>2019/12/10</a:t>
+              <a:t>2019/12/16</a:t>
             </a:fld>
             <a:endParaRPr lang="zh-CN" altLang="en-US"/>
           </a:p>
@@ -4700,7 +4705,7 @@
           <a:p>
             <a:fld id="{EA491A0E-BDDD-4771-B00D-1F698AAAB1B8}" type="datetimeFigureOut">
               <a:rPr lang="zh-CN" altLang="en-US" smtClean="0"/>
-              <a:t>2019/12/10</a:t>
+              <a:t>2019/12/16</a:t>
             </a:fld>
             <a:endParaRPr lang="zh-CN" altLang="en-US"/>
           </a:p>
@@ -4941,7 +4946,7 @@
           <a:p>
             <a:fld id="{EA491A0E-BDDD-4771-B00D-1F698AAAB1B8}" type="datetimeFigureOut">
               <a:rPr lang="zh-CN" altLang="en-US" smtClean="0"/>
-              <a:t>2019/12/10</a:t>
+              <a:t>2019/12/16</a:t>
             </a:fld>
             <a:endParaRPr lang="zh-CN" altLang="en-US"/>
           </a:p>
@@ -5509,7 +5514,7 @@
           <a:p>
             <a:fld id="{566A4BE8-77FE-4CD6-9733-A84A79002F0B}" type="datetimeFigureOut">
               <a:rPr lang="zh-CN" altLang="en-US" smtClean="0"/>
-              <a:t>2019/12/10</a:t>
+              <a:t>2019/12/16</a:t>
             </a:fld>
             <a:endParaRPr lang="zh-CN" altLang="en-US"/>
           </a:p>
@@ -8113,7 +8118,7 @@
         <p:spPr>
           <a:xfrm>
             <a:off x="1262743" y="1293134"/>
-            <a:ext cx="10335699" cy="646331"/>
+            <a:ext cx="10335699" cy="707886"/>
           </a:xfrm>
           <a:prstGeom prst="rect">
             <a:avLst/>
@@ -8144,7 +8149,7 @@
               <a:defRPr/>
             </a:pPr>
             <a:r>
-              <a:rPr kumimoji="0" lang="zh-CN" altLang="en-US" sz="1800" b="0" i="0" u="none" strike="noStrike" kern="1200" cap="none" spc="0" normalizeH="0" baseline="0" noProof="0" dirty="0">
+              <a:rPr kumimoji="0" lang="zh-CN" altLang="en-US" sz="2000" b="0" i="0" u="none" strike="noStrike" kern="1200" cap="none" spc="0" normalizeH="0" baseline="0" noProof="0" dirty="0">
                 <a:ln>
                   <a:noFill/>
                 </a:ln>
@@ -8158,7 +8163,7 @@
               <a:t>接下来</a:t>
             </a:r>
             <a:r>
-              <a:rPr kumimoji="0" lang="en-US" altLang="zh-CN" sz="1800" b="0" i="0" u="none" strike="noStrike" kern="1200" cap="none" spc="0" normalizeH="0" baseline="0" noProof="0" dirty="0">
+              <a:rPr kumimoji="0" lang="en-US" altLang="zh-CN" sz="2000" b="0" i="0" u="none" strike="noStrike" kern="1200" cap="none" spc="0" normalizeH="0" baseline="0" noProof="0" dirty="0">
                 <a:ln>
                   <a:noFill/>
                 </a:ln>
@@ -8172,7 +8177,7 @@
               <a:t>screen2</a:t>
             </a:r>
             <a:r>
-              <a:rPr kumimoji="0" lang="zh-CN" altLang="en-US" sz="1800" b="0" i="0" u="none" strike="noStrike" kern="1200" cap="none" spc="0" normalizeH="0" baseline="0" noProof="0" dirty="0">
+              <a:rPr kumimoji="0" lang="zh-CN" altLang="en-US" sz="2000" b="0" i="0" u="none" strike="noStrike" kern="1200" cap="none" spc="0" normalizeH="0" baseline="0" noProof="0" dirty="0">
                 <a:ln>
                   <a:noFill/>
                 </a:ln>
@@ -8186,7 +8191,7 @@
               <a:t>的逻辑设计就很简单了。在</a:t>
             </a:r>
             <a:r>
-              <a:rPr kumimoji="0" lang="en-US" altLang="zh-CN" sz="1800" b="0" i="0" u="none" strike="noStrike" kern="1200" cap="none" spc="0" normalizeH="0" baseline="0" noProof="0" dirty="0">
+              <a:rPr kumimoji="0" lang="en-US" altLang="zh-CN" sz="2000" b="0" i="0" u="none" strike="noStrike" kern="1200" cap="none" spc="0" normalizeH="0" baseline="0" noProof="0" dirty="0">
                 <a:ln>
                   <a:noFill/>
                 </a:ln>
@@ -8200,7 +8205,7 @@
               <a:t>screen2</a:t>
             </a:r>
             <a:r>
-              <a:rPr kumimoji="0" lang="zh-CN" altLang="en-US" sz="1800" b="0" i="0" u="none" strike="noStrike" kern="1200" cap="none" spc="0" normalizeH="0" baseline="0" noProof="0" dirty="0">
+              <a:rPr kumimoji="0" lang="zh-CN" altLang="en-US" sz="2000" b="0" i="0" u="none" strike="noStrike" kern="1200" cap="none" spc="0" normalizeH="0" baseline="0" noProof="0" dirty="0">
                 <a:ln>
                   <a:noFill/>
                 </a:ln>
@@ -8214,7 +8219,7 @@
               <a:t>中，只需要点击图片返回</a:t>
             </a:r>
             <a:r>
-              <a:rPr kumimoji="0" lang="en-US" altLang="zh-CN" sz="1800" b="0" i="0" u="none" strike="noStrike" kern="1200" cap="none" spc="0" normalizeH="0" baseline="0" noProof="0" dirty="0">
+              <a:rPr kumimoji="0" lang="en-US" altLang="zh-CN" sz="2000" b="0" i="0" u="none" strike="noStrike" kern="1200" cap="none" spc="0" normalizeH="0" baseline="0" noProof="0" dirty="0">
                 <a:ln>
                   <a:noFill/>
                 </a:ln>
@@ -8228,7 +8233,7 @@
               <a:t>screen1</a:t>
             </a:r>
             <a:r>
-              <a:rPr kumimoji="0" lang="zh-CN" altLang="en-US" sz="1800" b="0" i="0" u="none" strike="noStrike" kern="1200" cap="none" spc="0" normalizeH="0" baseline="0" noProof="0" dirty="0">
+              <a:rPr kumimoji="0" lang="zh-CN" altLang="en-US" sz="2000" b="0" i="0" u="none" strike="noStrike" kern="1200" cap="none" spc="0" normalizeH="0" baseline="0" noProof="0" dirty="0">
                 <a:ln>
                   <a:noFill/>
                 </a:ln>
@@ -8242,13 +8247,13 @@
               <a:t>功能即可。这时只需要添加按钮</a:t>
             </a:r>
             <a:r>
-              <a:rPr lang="zh-CN" altLang="en-US" dirty="0">
+              <a:rPr lang="zh-CN" altLang="en-US" sz="2000" dirty="0">
                 <a:latin typeface="Microsoft YaHei" panose="020F0502020204030204"/>
                 <a:ea typeface="Microsoft YaHei"/>
               </a:rPr>
               <a:t>的点击模块，并加上“打开另一屏幕”的事件即可。</a:t>
             </a:r>
-            <a:endParaRPr kumimoji="0" lang="zh-CN" altLang="en-US" sz="1800" b="0" i="0" u="none" strike="noStrike" kern="1200" cap="none" spc="0" normalizeH="0" baseline="0" noProof="0" dirty="0">
+            <a:endParaRPr kumimoji="0" lang="zh-CN" altLang="en-US" sz="2000" b="0" i="0" u="none" strike="noStrike" kern="1200" cap="none" spc="0" normalizeH="0" baseline="0" noProof="0" dirty="0">
               <a:ln>
                 <a:noFill/>
               </a:ln>
@@ -8261,36 +8266,6 @@
           </a:p>
         </p:txBody>
       </p:sp>
-      <p:pic>
-        <p:nvPicPr>
-          <p:cNvPr id="3" name="图片 2">
-            <a:extLst>
-              <a:ext uri="{FF2B5EF4-FFF2-40B4-BE49-F238E27FC236}">
-                <a16:creationId xmlns:a16="http://schemas.microsoft.com/office/drawing/2014/main" id="{4F8370DC-FA2C-41A0-A670-FC14538182D8}"/>
-              </a:ext>
-            </a:extLst>
-          </p:cNvPr>
-          <p:cNvPicPr>
-            <a:picLocks noChangeAspect="1"/>
-          </p:cNvPicPr>
-          <p:nvPr/>
-        </p:nvPicPr>
-        <p:blipFill>
-          <a:blip r:embed="rId5"/>
-          <a:stretch>
-            <a:fillRect/>
-          </a:stretch>
-        </p:blipFill>
-        <p:spPr>
-          <a:xfrm>
-            <a:off x="1395477" y="2328882"/>
-            <a:ext cx="10074442" cy="4322209"/>
-          </a:xfrm>
-          <a:prstGeom prst="rect">
-            <a:avLst/>
-          </a:prstGeom>
-        </p:spPr>
-      </p:pic>
       <p:pic>
         <p:nvPicPr>
           <p:cNvPr id="6" name="图片 5">
@@ -8306,7 +8281,7 @@
           <p:nvPr/>
         </p:nvPicPr>
         <p:blipFill>
-          <a:blip r:embed="rId6">
+          <a:blip r:embed="rId5">
             <a:extLst>
               <a:ext uri="{28A0092B-C50C-407E-A947-70E740481C1C}">
                 <a14:useLocalDpi xmlns:a14="http://schemas.microsoft.com/office/drawing/2010/main" val="0"/>
@@ -8321,6 +8296,36 @@
           <a:xfrm>
             <a:off x="10221943" y="66369"/>
             <a:ext cx="1762125" cy="523875"/>
+          </a:xfrm>
+          <a:prstGeom prst="rect">
+            <a:avLst/>
+          </a:prstGeom>
+        </p:spPr>
+      </p:pic>
+      <p:pic>
+        <p:nvPicPr>
+          <p:cNvPr id="4" name="图片 3">
+            <a:extLst>
+              <a:ext uri="{FF2B5EF4-FFF2-40B4-BE49-F238E27FC236}">
+                <a16:creationId xmlns:a16="http://schemas.microsoft.com/office/drawing/2014/main" id="{EEB15320-EA84-47C5-9B57-057B3B5F67D3}"/>
+              </a:ext>
+            </a:extLst>
+          </p:cNvPr>
+          <p:cNvPicPr>
+            <a:picLocks noChangeAspect="1"/>
+          </p:cNvPicPr>
+          <p:nvPr/>
+        </p:nvPicPr>
+        <p:blipFill>
+          <a:blip r:embed="rId6"/>
+          <a:stretch>
+            <a:fillRect/>
+          </a:stretch>
+        </p:blipFill>
+        <p:spPr>
+          <a:xfrm>
+            <a:off x="1303463" y="2431951"/>
+            <a:ext cx="9154113" cy="1755037"/>
           </a:xfrm>
           <a:prstGeom prst="rect">
             <a:avLst/>
@@ -8893,7 +8898,7 @@
                   <a:defRPr/>
                 </a:pPr>
                 <a:r>
-                  <a:rPr kumimoji="0" lang="zh-CN" altLang="zh-CN" sz="2400" b="1" i="0" u="none" strike="noStrike" kern="1200" cap="none" spc="0" normalizeH="0" baseline="0" noProof="0" dirty="0">
+                  <a:rPr kumimoji="0" lang="zh-CN" altLang="en-US" sz="2400" b="1" i="0" u="none" strike="noStrike" kern="1200" cap="none" spc="0" normalizeH="0" baseline="0" noProof="0" dirty="0">
                     <a:ln>
                       <a:noFill/>
                     </a:ln>
@@ -8907,42 +8912,22 @@
                     <a:ea typeface="字魂105号-简雅黑" panose="00000500000000000000" pitchFamily="2" charset="-122"/>
                     <a:cs typeface="+mn-ea"/>
                   </a:rPr>
-                  <a:t>创建第一个</a:t>
+                  <a:t>课后作业</a:t>
                 </a:r>
-                <a:r>
-                  <a:rPr kumimoji="0" lang="en-US" altLang="zh-CN" sz="2400" b="1" i="0" u="none" strike="noStrike" kern="1200" cap="none" spc="0" normalizeH="0" baseline="0" noProof="0" dirty="0">
-                    <a:ln>
-                      <a:noFill/>
-                    </a:ln>
-                    <a:solidFill>
-                      <a:srgbClr val="002060"/>
-                    </a:solidFill>
-                    <a:effectLst/>
-                    <a:uLnTx/>
-                    <a:uFillTx/>
-                    <a:latin typeface="字魂105号-简雅黑" panose="00000500000000000000" pitchFamily="2" charset="-122"/>
-                    <a:ea typeface="字魂105号-简雅黑" panose="00000500000000000000" pitchFamily="2" charset="-122"/>
-                    <a:cs typeface="+mn-ea"/>
-                  </a:rPr>
-                  <a:t>App Inventor</a:t>
-                </a:r>
-                <a:r>
-                  <a:rPr kumimoji="0" lang="zh-CN" altLang="zh-CN" sz="2400" b="1" i="0" u="none" strike="noStrike" kern="1200" cap="none" spc="0" normalizeH="0" baseline="0" noProof="0" dirty="0">
-                    <a:ln>
-                      <a:noFill/>
-                    </a:ln>
-                    <a:solidFill>
-                      <a:srgbClr val="002060"/>
-                    </a:solidFill>
-                    <a:effectLst/>
-                    <a:uLnTx/>
-                    <a:uFillTx/>
-                    <a:latin typeface="字魂105号-简雅黑" panose="00000500000000000000" pitchFamily="2" charset="-122"/>
-                    <a:ea typeface="字魂105号-简雅黑" panose="00000500000000000000" pitchFamily="2" charset="-122"/>
-                    <a:cs typeface="+mn-ea"/>
-                  </a:rPr>
-                  <a:t>项目</a:t>
-                </a:r>
+                <a:endParaRPr kumimoji="0" lang="zh-CN" altLang="zh-CN" sz="2400" b="1" i="0" u="none" strike="noStrike" kern="1200" cap="none" spc="0" normalizeH="0" baseline="0" noProof="0" dirty="0">
+                  <a:ln>
+                    <a:noFill/>
+                  </a:ln>
+                  <a:solidFill>
+                    <a:srgbClr val="002060"/>
+                  </a:solidFill>
+                  <a:effectLst/>
+                  <a:uLnTx/>
+                  <a:uFillTx/>
+                  <a:latin typeface="字魂105号-简雅黑" panose="00000500000000000000" pitchFamily="2" charset="-122"/>
+                  <a:ea typeface="字魂105号-简雅黑" panose="00000500000000000000" pitchFamily="2" charset="-122"/>
+                  <a:cs typeface="+mn-ea"/>
+                </a:endParaRPr>
               </a:p>
             </p:txBody>
           </p:sp>
@@ -8963,7 +8948,7 @@
         <p:spPr>
           <a:xfrm>
             <a:off x="1344142" y="1388488"/>
-            <a:ext cx="10335699" cy="2862322"/>
+            <a:ext cx="10335699" cy="3477875"/>
           </a:xfrm>
           <a:prstGeom prst="rect">
             <a:avLst/>
@@ -8994,7 +8979,7 @@
               <a:defRPr/>
             </a:pPr>
             <a:r>
-              <a:rPr kumimoji="0" lang="zh-CN" altLang="en-US" sz="1800" b="0" i="0" u="none" strike="noStrike" kern="1200" cap="none" spc="0" normalizeH="0" baseline="0" noProof="0" dirty="0">
+              <a:rPr kumimoji="0" lang="zh-CN" altLang="en-US" sz="2000" b="0" i="0" u="none" strike="noStrike" kern="1200" cap="none" spc="0" normalizeH="0" baseline="0" noProof="0" dirty="0">
                 <a:ln>
                   <a:noFill/>
                 </a:ln>
@@ -9008,7 +8993,7 @@
               <a:t>小猫咪现在就可以发出可爱的叫声啦</a:t>
             </a:r>
             <a:r>
-              <a:rPr kumimoji="0" lang="en-US" altLang="zh-CN" sz="1800" b="0" i="0" u="none" strike="noStrike" kern="1200" cap="none" spc="0" normalizeH="0" baseline="0" noProof="0" dirty="0">
+              <a:rPr kumimoji="0" lang="en-US" altLang="zh-CN" sz="2000" b="0" i="0" u="none" strike="noStrike" kern="1200" cap="none" spc="0" normalizeH="0" baseline="0" noProof="0" dirty="0">
                 <a:ln>
                   <a:noFill/>
                 </a:ln>
@@ -9020,7 +9005,7 @@
               </a:rPr>
               <a:t>~</a:t>
             </a:r>
-            <a:endParaRPr lang="en-US" altLang="zh-CN" dirty="0">
+            <a:endParaRPr lang="en-US" altLang="zh-CN" sz="2000" dirty="0">
               <a:latin typeface="Microsoft YaHei" panose="020F0502020204030204"/>
               <a:ea typeface="Microsoft YaHei"/>
             </a:endParaRPr>
@@ -9044,7 +9029,7 @@
               <a:defRPr/>
             </a:pPr>
             <a:r>
-              <a:rPr kumimoji="0" lang="zh-CN" altLang="en-US" sz="1800" b="0" i="0" u="none" strike="noStrike" kern="1200" cap="none" spc="0" normalizeH="0" baseline="0" noProof="0" dirty="0">
+              <a:rPr kumimoji="0" lang="zh-CN" altLang="en-US" sz="2000" b="0" i="0" u="none" strike="noStrike" kern="1200" cap="none" spc="0" normalizeH="0" baseline="0" noProof="0" dirty="0">
                 <a:ln>
                   <a:noFill/>
                 </a:ln>
@@ -9057,7 +9042,7 @@
               </a:rPr>
               <a:t>为了让小猫咪在小朋友的手中变得更加可爱，这里给出了两个任务：</a:t>
             </a:r>
-            <a:endParaRPr kumimoji="0" lang="en-US" altLang="zh-CN" sz="1800" b="0" i="0" u="none" strike="noStrike" kern="1200" cap="none" spc="0" normalizeH="0" baseline="0" noProof="0" dirty="0">
+            <a:endParaRPr kumimoji="0" lang="en-US" altLang="zh-CN" sz="2000" b="0" i="0" u="none" strike="noStrike" kern="1200" cap="none" spc="0" normalizeH="0" baseline="0" noProof="0" dirty="0">
               <a:ln>
                 <a:noFill/>
               </a:ln>
@@ -9087,7 +9072,7 @@
               <a:tabLst/>
               <a:defRPr/>
             </a:pPr>
-            <a:endParaRPr lang="en-US" altLang="zh-CN" dirty="0">
+            <a:endParaRPr lang="en-US" altLang="zh-CN" sz="2000" dirty="0">
               <a:latin typeface="Microsoft YaHei" panose="020F0502020204030204"/>
               <a:ea typeface="Microsoft YaHei"/>
             </a:endParaRPr>
@@ -9110,7 +9095,7 @@
               <a:tabLst/>
               <a:defRPr/>
             </a:pPr>
-            <a:endParaRPr lang="en-US" altLang="zh-CN" dirty="0">
+            <a:endParaRPr lang="en-US" altLang="zh-CN" sz="2000" dirty="0">
               <a:latin typeface="Microsoft YaHei" panose="020F0502020204030204"/>
               <a:ea typeface="Microsoft YaHei"/>
             </a:endParaRPr>
@@ -9133,7 +9118,7 @@
               <a:tabLst/>
               <a:defRPr/>
             </a:pPr>
-            <a:endParaRPr lang="en-US" altLang="zh-CN" dirty="0">
+            <a:endParaRPr lang="en-US" altLang="zh-CN" sz="2000" dirty="0">
               <a:latin typeface="Microsoft YaHei" panose="020F0502020204030204"/>
               <a:ea typeface="Microsoft YaHei"/>
             </a:endParaRPr>
@@ -9156,7 +9141,7 @@
               <a:tabLst/>
               <a:defRPr/>
             </a:pPr>
-            <a:endParaRPr lang="en-US" altLang="zh-CN" dirty="0">
+            <a:endParaRPr lang="en-US" altLang="zh-CN" sz="2000" dirty="0">
               <a:latin typeface="Microsoft YaHei" panose="020F0502020204030204"/>
               <a:ea typeface="Microsoft YaHei"/>
             </a:endParaRPr>
@@ -9180,28 +9165,28 @@
               <a:defRPr/>
             </a:pPr>
             <a:r>
-              <a:rPr lang="zh-CN" altLang="en-US" dirty="0">
+              <a:rPr lang="zh-CN" altLang="en-US" sz="2000" dirty="0">
                 <a:latin typeface="Microsoft YaHei" panose="020F0502020204030204"/>
                 <a:ea typeface="Microsoft YaHei"/>
               </a:rPr>
               <a:t>请小朋友们尝试着选取自己喜欢的猫咪图片跟着教程做一个自己的</a:t>
             </a:r>
             <a:r>
-              <a:rPr lang="en-US" altLang="zh-CN" dirty="0">
+              <a:rPr lang="en-US" altLang="zh-CN" sz="2000" dirty="0">
                 <a:latin typeface="Microsoft YaHei" panose="020F0502020204030204"/>
                 <a:ea typeface="Microsoft YaHei"/>
               </a:rPr>
               <a:t>hello Kitty</a:t>
             </a:r>
             <a:r>
-              <a:rPr lang="zh-CN" altLang="en-US" dirty="0">
+              <a:rPr lang="zh-CN" altLang="en-US" sz="2000" dirty="0">
                 <a:latin typeface="Microsoft YaHei" panose="020F0502020204030204"/>
                 <a:ea typeface="Microsoft YaHei"/>
               </a:rPr>
               <a:t>吧</a:t>
             </a:r>
             <a:r>
-              <a:rPr lang="en-US" altLang="zh-CN" dirty="0">
+              <a:rPr lang="en-US" altLang="zh-CN" sz="2000" dirty="0">
                 <a:latin typeface="Microsoft YaHei" panose="020F0502020204030204"/>
                 <a:ea typeface="Microsoft YaHei"/>
               </a:rPr>
@@ -9227,27 +9212,27 @@
               <a:defRPr/>
             </a:pPr>
             <a:r>
-              <a:rPr lang="zh-CN" altLang="en-US" dirty="0">
+              <a:rPr lang="zh-CN" altLang="en-US" sz="2000" dirty="0">
                 <a:latin typeface="Microsoft YaHei" panose="020F0502020204030204"/>
                 <a:ea typeface="Microsoft YaHei"/>
               </a:rPr>
               <a:t>接下来的任务是，请小朋友们尝试着把</a:t>
             </a:r>
             <a:r>
-              <a:rPr lang="en-US" altLang="zh-CN" dirty="0">
+              <a:rPr lang="en-US" altLang="zh-CN" sz="2000" dirty="0">
                 <a:latin typeface="Microsoft YaHei" panose="020F0502020204030204"/>
                 <a:ea typeface="Microsoft YaHei"/>
               </a:rPr>
               <a:t>screen1</a:t>
             </a:r>
             <a:r>
-              <a:rPr lang="zh-CN" altLang="en-US" dirty="0">
+              <a:rPr lang="zh-CN" altLang="en-US" sz="2000" dirty="0">
                 <a:latin typeface="Microsoft YaHei" panose="020F0502020204030204"/>
                 <a:ea typeface="Microsoft YaHei"/>
               </a:rPr>
               <a:t>的按钮点击触发事件的范围缩小到猫咪本身吧！</a:t>
             </a:r>
-            <a:endParaRPr lang="en-US" altLang="zh-CN" dirty="0">
+            <a:endParaRPr lang="en-US" altLang="zh-CN" sz="2000" dirty="0">
               <a:latin typeface="Microsoft YaHei" panose="020F0502020204030204"/>
               <a:ea typeface="Microsoft YaHei"/>
             </a:endParaRPr>
@@ -9269,20 +9254,20 @@
               <a:defRPr/>
             </a:pPr>
             <a:r>
-              <a:rPr lang="en-US" altLang="zh-CN" dirty="0">
+              <a:rPr lang="en-US" altLang="zh-CN" sz="2000" dirty="0">
                 <a:latin typeface="Microsoft YaHei" panose="020F0502020204030204"/>
                 <a:ea typeface="Microsoft YaHei"/>
               </a:rPr>
               <a:t>      </a:t>
             </a:r>
             <a:r>
-              <a:rPr lang="zh-CN" altLang="en-US" dirty="0">
+              <a:rPr lang="zh-CN" altLang="en-US" sz="2000" dirty="0">
                 <a:latin typeface="Microsoft YaHei" panose="020F0502020204030204"/>
                 <a:ea typeface="Microsoft YaHei"/>
               </a:rPr>
               <a:t>如果当前完成这项任务还有难度，可以先学习接下来的课程再尝试完成这项任务噢！</a:t>
             </a:r>
-            <a:endParaRPr lang="en-US" altLang="zh-CN" dirty="0">
+            <a:endParaRPr lang="en-US" altLang="zh-CN" sz="2000" dirty="0">
               <a:latin typeface="Microsoft YaHei" panose="020F0502020204030204"/>
               <a:ea typeface="Microsoft YaHei"/>
             </a:endParaRPr>
@@ -9305,7 +9290,7 @@
               <a:tabLst/>
               <a:defRPr/>
             </a:pPr>
-            <a:endParaRPr kumimoji="0" lang="en-US" altLang="zh-CN" sz="1800" b="0" i="0" u="none" strike="noStrike" kern="1200" cap="none" spc="0" normalizeH="0" baseline="0" noProof="0" dirty="0">
+            <a:endParaRPr kumimoji="0" lang="en-US" altLang="zh-CN" sz="2000" b="0" i="0" u="none" strike="noStrike" kern="1200" cap="none" spc="0" normalizeH="0" baseline="0" noProof="0" dirty="0">
               <a:ln>
                 <a:noFill/>
               </a:ln>
@@ -12490,7 +12475,7 @@
         <p:spPr>
           <a:xfrm>
             <a:off x="1344142" y="1395957"/>
-            <a:ext cx="5568975" cy="646331"/>
+            <a:ext cx="6856582" cy="707886"/>
           </a:xfrm>
           <a:prstGeom prst="rect">
             <a:avLst/>
@@ -12521,7 +12506,7 @@
               <a:defRPr/>
             </a:pPr>
             <a:r>
-              <a:rPr kumimoji="0" lang="zh-CN" altLang="zh-CN" sz="1800" b="0" i="0" u="none" strike="noStrike" kern="1200" cap="none" spc="0" normalizeH="0" baseline="0" noProof="0" dirty="0">
+              <a:rPr kumimoji="0" lang="zh-CN" altLang="zh-CN" sz="2000" b="0" i="0" u="none" strike="noStrike" kern="1200" cap="none" spc="0" normalizeH="0" baseline="0" noProof="0" dirty="0">
                 <a:ln>
                   <a:noFill/>
                 </a:ln>
@@ -12535,7 +12520,7 @@
               <a:t>登录后进入开发页面，</a:t>
             </a:r>
             <a:r>
-              <a:rPr kumimoji="0" lang="zh-CN" altLang="en-US" sz="1800" b="0" i="0" u="none" strike="noStrike" kern="1200" cap="none" spc="0" normalizeH="0" baseline="0" noProof="0" dirty="0">
+              <a:rPr kumimoji="0" lang="zh-CN" altLang="en-US" sz="2000" b="0" i="0" u="none" strike="noStrike" kern="1200" cap="none" spc="0" normalizeH="0" baseline="0" noProof="0" dirty="0">
                 <a:ln>
                   <a:noFill/>
                 </a:ln>
@@ -12567,7 +12552,7 @@
               <a:tabLst/>
               <a:defRPr/>
             </a:pPr>
-            <a:endParaRPr kumimoji="0" lang="zh-CN" altLang="en-US" sz="1800" b="0" i="0" u="none" strike="noStrike" kern="1200" cap="none" spc="0" normalizeH="0" baseline="0" noProof="0" dirty="0">
+            <a:endParaRPr kumimoji="0" lang="zh-CN" altLang="en-US" sz="2000" b="0" i="0" u="none" strike="noStrike" kern="1200" cap="none" spc="0" normalizeH="0" baseline="0" noProof="0" dirty="0">
               <a:ln>
                 <a:noFill/>
               </a:ln>
@@ -13283,7 +13268,7 @@
         <p:spPr>
           <a:xfrm>
             <a:off x="1344142" y="1395957"/>
-            <a:ext cx="10552683" cy="369332"/>
+            <a:ext cx="10552683" cy="400110"/>
           </a:xfrm>
           <a:prstGeom prst="rect">
             <a:avLst/>
@@ -13314,7 +13299,7 @@
               <a:defRPr/>
             </a:pPr>
             <a:r>
-              <a:rPr kumimoji="0" lang="zh-CN" altLang="en-US" sz="1800" b="0" i="0" u="none" strike="noStrike" kern="1200" cap="none" spc="0" normalizeH="0" baseline="0" noProof="0" dirty="0">
+              <a:rPr kumimoji="0" lang="zh-CN" altLang="en-US" sz="2000" b="0" i="0" u="none" strike="noStrike" kern="1200" cap="none" spc="0" normalizeH="0" baseline="0" noProof="0" dirty="0">
                 <a:ln>
                   <a:noFill/>
                 </a:ln>
@@ -13328,7 +13313,7 @@
               <a:t>首先拖入一个按钮组件，将其图片设置为猫咪</a:t>
             </a:r>
             <a:r>
-              <a:rPr kumimoji="0" lang="en-US" altLang="zh-CN" sz="1800" b="0" i="0" u="none" strike="noStrike" kern="1200" cap="none" spc="0" normalizeH="0" baseline="0" noProof="0" dirty="0">
+              <a:rPr kumimoji="0" lang="en-US" altLang="zh-CN" sz="2000" b="0" i="0" u="none" strike="noStrike" kern="1200" cap="none" spc="0" normalizeH="0" baseline="0" noProof="0" dirty="0">
                 <a:ln>
                   <a:noFill/>
                 </a:ln>
@@ -13342,7 +13327,7 @@
               <a:t>1</a:t>
             </a:r>
             <a:r>
-              <a:rPr kumimoji="0" lang="zh-CN" altLang="en-US" sz="1800" b="0" i="0" u="none" strike="noStrike" kern="1200" cap="none" spc="0" normalizeH="0" baseline="0" noProof="0" dirty="0">
+              <a:rPr kumimoji="0" lang="zh-CN" altLang="en-US" sz="2000" b="0" i="0" u="none" strike="noStrike" kern="1200" cap="none" spc="0" normalizeH="0" baseline="0" noProof="0" dirty="0">
                 <a:ln>
                   <a:noFill/>
                 </a:ln>
@@ -13355,7 +13340,7 @@
               </a:rPr>
               <a:t>的图片，并选择高度宽度填满，文本内容删去。</a:t>
             </a:r>
-            <a:endParaRPr kumimoji="0" lang="zh-CN" altLang="en-US" sz="1800" b="0" i="0" u="none" strike="noStrike" kern="1200" cap="none" spc="0" normalizeH="0" baseline="0" noProof="0" dirty="0">
+            <a:endParaRPr kumimoji="0" lang="zh-CN" altLang="en-US" sz="2000" b="0" i="0" u="none" strike="noStrike" kern="1200" cap="none" spc="0" normalizeH="0" baseline="0" noProof="0" dirty="0">
               <a:ln>
                 <a:noFill/>
               </a:ln>
@@ -13391,8 +13376,8 @@
         </p:blipFill>
         <p:spPr>
           <a:xfrm>
-            <a:off x="1164656" y="1802652"/>
-            <a:ext cx="10462662" cy="4952772"/>
+            <a:off x="1418495" y="1959896"/>
+            <a:ext cx="9702265" cy="4592818"/>
           </a:xfrm>
           <a:prstGeom prst="rect">
             <a:avLst/>
@@ -13984,7 +13969,7 @@
         <p:spPr>
           <a:xfrm>
             <a:off x="1344142" y="1334207"/>
-            <a:ext cx="10254300" cy="369332"/>
+            <a:ext cx="10254300" cy="400110"/>
           </a:xfrm>
           <a:prstGeom prst="rect">
             <a:avLst/>
@@ -13998,27 +13983,27 @@
           <a:lstStyle/>
           <a:p>
             <a:r>
-              <a:rPr lang="zh-CN" altLang="en-US" dirty="0">
+              <a:rPr lang="zh-CN" altLang="en-US" sz="2000" dirty="0">
                 <a:latin typeface="微软雅黑" pitchFamily="34" charset="-122"/>
                 <a:ea typeface="微软雅黑" pitchFamily="34" charset="-122"/>
               </a:rPr>
               <a:t>然后拖入一个新标签，文本内容为</a:t>
             </a:r>
             <a:r>
-              <a:rPr lang="en-US" altLang="zh-CN" dirty="0">
+              <a:rPr lang="en-US" altLang="zh-CN" sz="2000" dirty="0">
                 <a:latin typeface="微软雅黑" pitchFamily="34" charset="-122"/>
                 <a:ea typeface="微软雅黑" pitchFamily="34" charset="-122"/>
               </a:rPr>
               <a:t>Click the Kitty~</a:t>
             </a:r>
             <a:r>
-              <a:rPr lang="zh-CN" altLang="en-US" dirty="0">
+              <a:rPr lang="zh-CN" altLang="en-US" sz="2000" dirty="0">
                 <a:latin typeface="微软雅黑" pitchFamily="34" charset="-122"/>
                 <a:ea typeface="微软雅黑" pitchFamily="34" charset="-122"/>
               </a:rPr>
               <a:t>，背景颜色为粉色，字体颜色为深灰色。</a:t>
             </a:r>
-            <a:endParaRPr lang="zh-CN" altLang="en-US" dirty="0"/>
+            <a:endParaRPr lang="zh-CN" altLang="en-US" sz="2000" dirty="0"/>
           </a:p>
         </p:txBody>
       </p:sp>
@@ -14724,7 +14709,7 @@
         <p:spPr>
           <a:xfrm>
             <a:off x="1262743" y="1293134"/>
-            <a:ext cx="10335699" cy="646331"/>
+            <a:ext cx="10335699" cy="707886"/>
           </a:xfrm>
           <a:prstGeom prst="rect">
             <a:avLst/>
@@ -14755,7 +14740,7 @@
               <a:defRPr/>
             </a:pPr>
             <a:r>
-              <a:rPr kumimoji="0" lang="zh-CN" altLang="en-US" sz="1800" b="0" i="0" u="none" strike="noStrike" kern="1200" cap="none" spc="0" normalizeH="0" baseline="0" noProof="0" dirty="0">
+              <a:rPr kumimoji="0" lang="zh-CN" altLang="en-US" sz="2000" b="0" i="0" u="none" strike="noStrike" kern="1200" cap="none" spc="0" normalizeH="0" baseline="0" noProof="0" dirty="0">
                 <a:ln>
                   <a:noFill/>
                 </a:ln>
@@ -14769,7 +14754,7 @@
               <a:t>为了小猫的叫声，加入一个音效组件，并将其源文件定为相应</a:t>
             </a:r>
             <a:r>
-              <a:rPr kumimoji="0" lang="en-US" altLang="zh-CN" sz="1800" b="0" i="0" u="none" strike="noStrike" kern="1200" cap="none" spc="0" normalizeH="0" baseline="0" noProof="0" dirty="0">
+              <a:rPr kumimoji="0" lang="en-US" altLang="zh-CN" sz="2000" b="0" i="0" u="none" strike="noStrike" kern="1200" cap="none" spc="0" normalizeH="0" baseline="0" noProof="0" dirty="0">
                 <a:ln>
                   <a:noFill/>
                 </a:ln>
@@ -14783,7 +14768,7 @@
               <a:t>mp3</a:t>
             </a:r>
             <a:r>
-              <a:rPr kumimoji="0" lang="zh-CN" altLang="en-US" sz="1800" b="0" i="0" u="none" strike="noStrike" kern="1200" cap="none" spc="0" normalizeH="0" baseline="0" noProof="0" dirty="0">
+              <a:rPr kumimoji="0" lang="zh-CN" altLang="en-US" sz="2000" b="0" i="0" u="none" strike="noStrike" kern="1200" cap="none" spc="0" normalizeH="0" baseline="0" noProof="0" dirty="0">
                 <a:ln>
                   <a:noFill/>
                 </a:ln>
@@ -14796,7 +14781,7 @@
               </a:rPr>
               <a:t>，为了使用震动手机可以猫叫的效果，还要加入加速度传感器组件。</a:t>
             </a:r>
-            <a:endParaRPr kumimoji="0" lang="zh-CN" altLang="en-US" sz="1800" b="0" i="0" u="none" strike="noStrike" kern="1200" cap="none" spc="0" normalizeH="0" baseline="0" noProof="0" dirty="0">
+            <a:endParaRPr kumimoji="0" lang="zh-CN" altLang="en-US" sz="2000" b="0" i="0" u="none" strike="noStrike" kern="1200" cap="none" spc="0" normalizeH="0" baseline="0" noProof="0" dirty="0">
               <a:ln>
                 <a:noFill/>
               </a:ln>
@@ -15512,7 +15497,7 @@
         <p:spPr>
           <a:xfrm>
             <a:off x="1262743" y="1293134"/>
-            <a:ext cx="10335699" cy="369332"/>
+            <a:ext cx="10335699" cy="400110"/>
           </a:xfrm>
           <a:prstGeom prst="rect">
             <a:avLst/>
@@ -15543,7 +15528,7 @@
               <a:defRPr/>
             </a:pPr>
             <a:r>
-              <a:rPr kumimoji="0" lang="zh-CN" altLang="en-US" sz="1800" b="0" i="0" u="none" strike="noStrike" kern="1200" cap="none" spc="0" normalizeH="0" baseline="0" noProof="0" dirty="0">
+              <a:rPr kumimoji="0" lang="zh-CN" altLang="en-US" sz="2000" b="0" i="0" u="none" strike="noStrike" kern="1200" cap="none" spc="0" normalizeH="0" baseline="0" noProof="0" dirty="0">
                 <a:ln>
                   <a:noFill/>
                 </a:ln>
@@ -15557,7 +15542,7 @@
               <a:t>增加</a:t>
             </a:r>
             <a:r>
-              <a:rPr kumimoji="0" lang="en-US" altLang="zh-CN" sz="1800" b="0" i="0" u="none" strike="noStrike" kern="1200" cap="none" spc="0" normalizeH="0" baseline="0" noProof="0" dirty="0">
+              <a:rPr kumimoji="0" lang="en-US" altLang="zh-CN" sz="2000" b="0" i="0" u="none" strike="noStrike" kern="1200" cap="none" spc="0" normalizeH="0" baseline="0" noProof="0" dirty="0">
                 <a:ln>
                   <a:noFill/>
                 </a:ln>
@@ -15571,7 +15556,7 @@
               <a:t>screen2</a:t>
             </a:r>
             <a:r>
-              <a:rPr kumimoji="0" lang="zh-CN" altLang="en-US" sz="1800" b="0" i="0" u="none" strike="noStrike" kern="1200" cap="none" spc="0" normalizeH="0" baseline="0" noProof="0" dirty="0">
+              <a:rPr kumimoji="0" lang="zh-CN" altLang="en-US" sz="2000" b="0" i="0" u="none" strike="noStrike" kern="1200" cap="none" spc="0" normalizeH="0" baseline="0" noProof="0" dirty="0">
                 <a:ln>
                   <a:noFill/>
                 </a:ln>
@@ -15585,7 +15570,7 @@
               <a:t>，添加一个按钮，操作同</a:t>
             </a:r>
             <a:r>
-              <a:rPr kumimoji="0" lang="en-US" altLang="zh-CN" sz="1800" b="0" i="0" u="none" strike="noStrike" kern="1200" cap="none" spc="0" normalizeH="0" baseline="0" noProof="0" dirty="0">
+              <a:rPr kumimoji="0" lang="en-US" altLang="zh-CN" sz="2000" b="0" i="0" u="none" strike="noStrike" kern="1200" cap="none" spc="0" normalizeH="0" baseline="0" noProof="0" dirty="0">
                 <a:ln>
                   <a:noFill/>
                 </a:ln>
@@ -15599,7 +15584,7 @@
               <a:t>screen1</a:t>
             </a:r>
             <a:r>
-              <a:rPr kumimoji="0" lang="zh-CN" altLang="en-US" sz="1800" b="0" i="0" u="none" strike="noStrike" kern="1200" cap="none" spc="0" normalizeH="0" baseline="0" noProof="0" dirty="0">
+              <a:rPr kumimoji="0" lang="zh-CN" altLang="en-US" sz="2000" b="0" i="0" u="none" strike="noStrike" kern="1200" cap="none" spc="0" normalizeH="0" baseline="0" noProof="0" dirty="0">
                 <a:ln>
                   <a:noFill/>
                 </a:ln>
@@ -15613,7 +15598,7 @@
               <a:t>的按钮添加操作，将图片设置为猫咪</a:t>
             </a:r>
             <a:r>
-              <a:rPr kumimoji="0" lang="en-US" altLang="zh-CN" sz="1800" b="0" i="0" u="none" strike="noStrike" kern="1200" cap="none" spc="0" normalizeH="0" baseline="0" noProof="0" dirty="0">
+              <a:rPr kumimoji="0" lang="en-US" altLang="zh-CN" sz="2000" b="0" i="0" u="none" strike="noStrike" kern="1200" cap="none" spc="0" normalizeH="0" baseline="0" noProof="0" dirty="0">
                 <a:ln>
                   <a:noFill/>
                 </a:ln>
@@ -15626,7 +15611,7 @@
               </a:rPr>
               <a:t>2.jpg</a:t>
             </a:r>
-            <a:endParaRPr kumimoji="0" lang="zh-CN" altLang="en-US" sz="1800" b="0" i="0" u="none" strike="noStrike" kern="1200" cap="none" spc="0" normalizeH="0" baseline="0" noProof="0" dirty="0">
+            <a:endParaRPr kumimoji="0" lang="zh-CN" altLang="en-US" sz="2000" b="0" i="0" u="none" strike="noStrike" kern="1200" cap="none" spc="0" normalizeH="0" baseline="0" noProof="0" dirty="0">
               <a:ln>
                 <a:noFill/>
               </a:ln>
@@ -16342,7 +16327,7 @@
         <p:spPr>
           <a:xfrm>
             <a:off x="1262743" y="1293134"/>
-            <a:ext cx="10335699" cy="923330"/>
+            <a:ext cx="10335699" cy="1323439"/>
           </a:xfrm>
           <a:prstGeom prst="rect">
             <a:avLst/>
@@ -16373,7 +16358,7 @@
               <a:defRPr/>
             </a:pPr>
             <a:r>
-              <a:rPr kumimoji="0" lang="zh-CN" altLang="en-US" sz="1800" b="0" i="0" u="none" strike="noStrike" kern="1200" cap="none" spc="0" normalizeH="0" baseline="0" noProof="0" dirty="0">
+              <a:rPr kumimoji="0" lang="zh-CN" altLang="en-US" sz="2000" b="0" i="0" u="none" strike="noStrike" kern="1200" cap="none" spc="0" normalizeH="0" baseline="0" noProof="0" dirty="0">
                 <a:ln>
                   <a:noFill/>
                 </a:ln>
@@ -16387,7 +16372,7 @@
               <a:t>接下来开始逻辑设计。首先在</a:t>
             </a:r>
             <a:r>
-              <a:rPr kumimoji="0" lang="en-US" altLang="zh-CN" sz="1800" b="0" i="0" u="none" strike="noStrike" kern="1200" cap="none" spc="0" normalizeH="0" baseline="0" noProof="0" dirty="0">
+              <a:rPr kumimoji="0" lang="en-US" altLang="zh-CN" sz="2000" b="0" i="0" u="none" strike="noStrike" kern="1200" cap="none" spc="0" normalizeH="0" baseline="0" noProof="0" dirty="0">
                 <a:ln>
                   <a:noFill/>
                 </a:ln>
@@ -16401,7 +16386,7 @@
               <a:t>screen1</a:t>
             </a:r>
             <a:r>
-              <a:rPr kumimoji="0" lang="zh-CN" altLang="en-US" sz="1800" b="0" i="0" u="none" strike="noStrike" kern="1200" cap="none" spc="0" normalizeH="0" baseline="0" noProof="0" dirty="0">
+              <a:rPr kumimoji="0" lang="zh-CN" altLang="en-US" sz="2000" b="0" i="0" u="none" strike="noStrike" kern="1200" cap="none" spc="0" normalizeH="0" baseline="0" noProof="0" dirty="0">
                 <a:ln>
                   <a:noFill/>
                 </a:ln>
@@ -16415,7 +16400,7 @@
               <a:t>中要做到，每次晃动手机或者点击屏幕就能跳动到</a:t>
             </a:r>
             <a:r>
-              <a:rPr kumimoji="0" lang="en-US" altLang="zh-CN" sz="1800" b="0" i="0" u="none" strike="noStrike" kern="1200" cap="none" spc="0" normalizeH="0" baseline="0" noProof="0" dirty="0">
+              <a:rPr kumimoji="0" lang="en-US" altLang="zh-CN" sz="2000" b="0" i="0" u="none" strike="noStrike" kern="1200" cap="none" spc="0" normalizeH="0" baseline="0" noProof="0" dirty="0">
                 <a:ln>
                   <a:noFill/>
                 </a:ln>
@@ -16429,7 +16414,7 @@
               <a:t>screen2</a:t>
             </a:r>
             <a:r>
-              <a:rPr kumimoji="0" lang="zh-CN" altLang="en-US" sz="1800" b="0" i="0" u="none" strike="noStrike" kern="1200" cap="none" spc="0" normalizeH="0" baseline="0" noProof="0" dirty="0">
+              <a:rPr kumimoji="0" lang="zh-CN" altLang="en-US" sz="2000" b="0" i="0" u="none" strike="noStrike" kern="1200" cap="none" spc="0" normalizeH="0" baseline="0" noProof="0" dirty="0">
                 <a:ln>
                   <a:noFill/>
                 </a:ln>
@@ -16443,7 +16428,7 @@
               <a:t>中去，并且手机还要发出震动和猫咪的叫声。所以要分成两部分。一部分来传达晃动手机的作用，一部分传达点击图片的作用。分别使用按钮</a:t>
             </a:r>
             <a:r>
-              <a:rPr kumimoji="0" lang="en-US" altLang="zh-CN" sz="1800" b="0" i="0" u="none" strike="noStrike" kern="1200" cap="none" spc="0" normalizeH="0" baseline="0" noProof="0" dirty="0">
+              <a:rPr kumimoji="0" lang="en-US" altLang="zh-CN" sz="2000" b="0" i="0" u="none" strike="noStrike" kern="1200" cap="none" spc="0" normalizeH="0" baseline="0" noProof="0" dirty="0">
                 <a:ln>
                   <a:noFill/>
                 </a:ln>
@@ -16457,7 +16442,7 @@
               <a:t>1</a:t>
             </a:r>
             <a:r>
-              <a:rPr kumimoji="0" lang="zh-CN" altLang="en-US" sz="1800" b="0" i="0" u="none" strike="noStrike" kern="1200" cap="none" spc="0" normalizeH="0" baseline="0" noProof="0" dirty="0">
+              <a:rPr kumimoji="0" lang="zh-CN" altLang="en-US" sz="2000" b="0" i="0" u="none" strike="noStrike" kern="1200" cap="none" spc="0" normalizeH="0" baseline="0" noProof="0" dirty="0">
                 <a:ln>
                   <a:noFill/>
                 </a:ln>
@@ -16470,7 +16455,7 @@
               </a:rPr>
               <a:t>的模块和加速传感器的模块。两者逻辑类似。</a:t>
             </a:r>
-            <a:endParaRPr kumimoji="0" lang="zh-CN" altLang="en-US" sz="1800" b="0" i="0" u="none" strike="noStrike" kern="1200" cap="none" spc="0" normalizeH="0" baseline="0" noProof="0" dirty="0">
+            <a:endParaRPr kumimoji="0" lang="zh-CN" altLang="en-US" sz="2000" b="0" i="0" u="none" strike="noStrike" kern="1200" cap="none" spc="0" normalizeH="0" baseline="0" noProof="0" dirty="0">
               <a:ln>
                 <a:noFill/>
               </a:ln>
@@ -16486,36 +16471,6 @@
       </p:sp>
       <p:pic>
         <p:nvPicPr>
-          <p:cNvPr id="6" name="图片 5">
-            <a:extLst>
-              <a:ext uri="{FF2B5EF4-FFF2-40B4-BE49-F238E27FC236}">
-                <a16:creationId xmlns:a16="http://schemas.microsoft.com/office/drawing/2014/main" id="{FE2A3BAC-584A-46A2-A509-CF49869A2AA0}"/>
-              </a:ext>
-            </a:extLst>
-          </p:cNvPr>
-          <p:cNvPicPr>
-            <a:picLocks noChangeAspect="1"/>
-          </p:cNvPicPr>
-          <p:nvPr/>
-        </p:nvPicPr>
-        <p:blipFill>
-          <a:blip r:embed="rId5"/>
-          <a:stretch>
-            <a:fillRect/>
-          </a:stretch>
-        </p:blipFill>
-        <p:spPr>
-          <a:xfrm>
-            <a:off x="1344142" y="2344094"/>
-            <a:ext cx="9890582" cy="4163909"/>
-          </a:xfrm>
-          <a:prstGeom prst="rect">
-            <a:avLst/>
-          </a:prstGeom>
-        </p:spPr>
-      </p:pic>
-      <p:pic>
-        <p:nvPicPr>
           <p:cNvPr id="4" name="图片 3">
             <a:extLst>
               <a:ext uri="{FF2B5EF4-FFF2-40B4-BE49-F238E27FC236}">
@@ -16529,7 +16484,7 @@
           <p:nvPr/>
         </p:nvPicPr>
         <p:blipFill>
-          <a:blip r:embed="rId6">
+          <a:blip r:embed="rId5">
             <a:extLst>
               <a:ext uri="{28A0092B-C50C-407E-A947-70E740481C1C}">
                 <a14:useLocalDpi xmlns:a14="http://schemas.microsoft.com/office/drawing/2010/main" val="0"/>
@@ -16544,6 +16499,36 @@
           <a:xfrm>
             <a:off x="10204188" y="66369"/>
             <a:ext cx="1762125" cy="523875"/>
+          </a:xfrm>
+          <a:prstGeom prst="rect">
+            <a:avLst/>
+          </a:prstGeom>
+        </p:spPr>
+      </p:pic>
+      <p:pic>
+        <p:nvPicPr>
+          <p:cNvPr id="13" name="图片 12">
+            <a:extLst>
+              <a:ext uri="{FF2B5EF4-FFF2-40B4-BE49-F238E27FC236}">
+                <a16:creationId xmlns:a16="http://schemas.microsoft.com/office/drawing/2014/main" id="{E6951067-623A-48DF-8099-AB79CF2AA195}"/>
+              </a:ext>
+            </a:extLst>
+          </p:cNvPr>
+          <p:cNvPicPr>
+            <a:picLocks noChangeAspect="1"/>
+          </p:cNvPicPr>
+          <p:nvPr/>
+        </p:nvPicPr>
+        <p:blipFill>
+          <a:blip r:embed="rId6"/>
+          <a:stretch>
+            <a:fillRect/>
+          </a:stretch>
+        </p:blipFill>
+        <p:spPr>
+          <a:xfrm>
+            <a:off x="1344141" y="2874244"/>
+            <a:ext cx="7318596" cy="3558982"/>
           </a:xfrm>
           <a:prstGeom prst="rect">
             <a:avLst/>
@@ -17186,7 +17171,7 @@
         <p:spPr>
           <a:xfrm>
             <a:off x="1262743" y="1293134"/>
-            <a:ext cx="10335699" cy="923330"/>
+            <a:ext cx="10335699" cy="1323439"/>
           </a:xfrm>
           <a:prstGeom prst="rect">
             <a:avLst/>
@@ -17217,7 +17202,7 @@
               <a:defRPr/>
             </a:pPr>
             <a:r>
-              <a:rPr kumimoji="0" lang="zh-CN" altLang="en-US" sz="1800" b="0" i="0" u="none" strike="noStrike" kern="1200" cap="none" spc="0" normalizeH="0" baseline="0" noProof="0" dirty="0">
+              <a:rPr kumimoji="0" lang="zh-CN" altLang="en-US" sz="2000" b="0" i="0" u="none" strike="noStrike" kern="1200" cap="none" spc="0" normalizeH="0" baseline="0" noProof="0" dirty="0">
                 <a:ln>
                   <a:noFill/>
                 </a:ln>
@@ -17231,7 +17216,7 @@
               <a:t>首先为了发出猫咪的叫声，所以要添加音效播放的模块，为了跳转到</a:t>
             </a:r>
             <a:r>
-              <a:rPr kumimoji="0" lang="en-US" altLang="zh-CN" sz="1800" b="0" i="0" u="none" strike="noStrike" kern="1200" cap="none" spc="0" normalizeH="0" baseline="0" noProof="0" dirty="0">
+              <a:rPr kumimoji="0" lang="en-US" altLang="zh-CN" sz="2000" b="0" i="0" u="none" strike="noStrike" kern="1200" cap="none" spc="0" normalizeH="0" baseline="0" noProof="0" dirty="0">
                 <a:ln>
                   <a:noFill/>
                 </a:ln>
@@ -17245,7 +17230,7 @@
               <a:t>screen2</a:t>
             </a:r>
             <a:r>
-              <a:rPr kumimoji="0" lang="zh-CN" altLang="en-US" sz="1800" b="0" i="0" u="none" strike="noStrike" kern="1200" cap="none" spc="0" normalizeH="0" baseline="0" noProof="0" dirty="0">
+              <a:rPr kumimoji="0" lang="zh-CN" altLang="en-US" sz="2000" b="0" i="0" u="none" strike="noStrike" kern="1200" cap="none" spc="0" normalizeH="0" baseline="0" noProof="0" dirty="0">
                 <a:ln>
                   <a:noFill/>
                 </a:ln>
@@ -17263,36 +17248,6 @@
       </p:sp>
       <p:pic>
         <p:nvPicPr>
-          <p:cNvPr id="6" name="图片 5">
-            <a:extLst>
-              <a:ext uri="{FF2B5EF4-FFF2-40B4-BE49-F238E27FC236}">
-                <a16:creationId xmlns:a16="http://schemas.microsoft.com/office/drawing/2014/main" id="{FE2A3BAC-584A-46A2-A509-CF49869A2AA0}"/>
-              </a:ext>
-            </a:extLst>
-          </p:cNvPr>
-          <p:cNvPicPr>
-            <a:picLocks noChangeAspect="1"/>
-          </p:cNvPicPr>
-          <p:nvPr/>
-        </p:nvPicPr>
-        <p:blipFill>
-          <a:blip r:embed="rId5"/>
-          <a:stretch>
-            <a:fillRect/>
-          </a:stretch>
-        </p:blipFill>
-        <p:spPr>
-          <a:xfrm>
-            <a:off x="1344142" y="2344094"/>
-            <a:ext cx="9890582" cy="4163909"/>
-          </a:xfrm>
-          <a:prstGeom prst="rect">
-            <a:avLst/>
-          </a:prstGeom>
-        </p:spPr>
-      </p:pic>
-      <p:pic>
-        <p:nvPicPr>
           <p:cNvPr id="4" name="图片 3">
             <a:extLst>
               <a:ext uri="{FF2B5EF4-FFF2-40B4-BE49-F238E27FC236}">
@@ -17306,7 +17261,7 @@
           <p:nvPr/>
         </p:nvPicPr>
         <p:blipFill>
-          <a:blip r:embed="rId6">
+          <a:blip r:embed="rId5">
             <a:extLst>
               <a:ext uri="{28A0092B-C50C-407E-A947-70E740481C1C}">
                 <a14:useLocalDpi xmlns:a14="http://schemas.microsoft.com/office/drawing/2010/main" val="0"/>
@@ -17321,6 +17276,36 @@
           <a:xfrm>
             <a:off x="10239699" y="66369"/>
             <a:ext cx="1762125" cy="523875"/>
+          </a:xfrm>
+          <a:prstGeom prst="rect">
+            <a:avLst/>
+          </a:prstGeom>
+        </p:spPr>
+      </p:pic>
+      <p:pic>
+        <p:nvPicPr>
+          <p:cNvPr id="3" name="图片 2">
+            <a:extLst>
+              <a:ext uri="{FF2B5EF4-FFF2-40B4-BE49-F238E27FC236}">
+                <a16:creationId xmlns:a16="http://schemas.microsoft.com/office/drawing/2014/main" id="{ED24BC8B-4BE1-495F-A16F-331E149D96A4}"/>
+              </a:ext>
+            </a:extLst>
+          </p:cNvPr>
+          <p:cNvPicPr>
+            <a:picLocks noChangeAspect="1"/>
+          </p:cNvPicPr>
+          <p:nvPr/>
+        </p:nvPicPr>
+        <p:blipFill>
+          <a:blip r:embed="rId6"/>
+          <a:stretch>
+            <a:fillRect/>
+          </a:stretch>
+        </p:blipFill>
+        <p:spPr>
+          <a:xfrm>
+            <a:off x="1344141" y="2874244"/>
+            <a:ext cx="5613535" cy="3142620"/>
           </a:xfrm>
           <a:prstGeom prst="rect">
             <a:avLst/>
